--- a/포인터.pptx
+++ b/포인터.pptx
@@ -5,10 +5,10 @@
     <p:sldMasterId id="2147483720" r:id="rId4"/>
   </p:sldMasterIdLst>
   <p:notesMasterIdLst>
-    <p:notesMasterId r:id="rId13"/>
+    <p:notesMasterId r:id="rId16"/>
   </p:notesMasterIdLst>
   <p:handoutMasterIdLst>
-    <p:handoutMasterId r:id="rId14"/>
+    <p:handoutMasterId r:id="rId17"/>
   </p:handoutMasterIdLst>
   <p:sldIdLst>
     <p:sldId id="496" r:id="rId5"/>
@@ -19,6 +19,9 @@
     <p:sldId id="501" r:id="rId10"/>
     <p:sldId id="504" r:id="rId11"/>
     <p:sldId id="505" r:id="rId12"/>
+    <p:sldId id="507" r:id="rId13"/>
+    <p:sldId id="506" r:id="rId14"/>
+    <p:sldId id="508" r:id="rId15"/>
   </p:sldIdLst>
   <p:sldSz cx="12192000" cy="6858000"/>
   <p:notesSz cx="6858000" cy="9144000"/>
@@ -241,7 +244,7 @@
                 <a:latin typeface="+mj-ea"/>
                 <a:ea typeface="+mj-ea"/>
               </a:rPr>
-              <a:t>2023-07-19</a:t>
+              <a:t>2023-07-25</a:t>
             </a:fld>
             <a:endParaRPr lang="ko-KR" altLang="en-US" dirty="0">
               <a:latin typeface="+mj-ea"/>
@@ -440,7 +443,7 @@
             <a:fld id="{7C21A80E-78EB-444E-BCDE-0472D76B5027}" type="datetime1">
               <a:rPr lang="ko-KR" altLang="en-US" smtClean="0"/>
               <a:pPr/>
-              <a:t>2023-07-19</a:t>
+              <a:t>2023-07-25</a:t>
             </a:fld>
             <a:endParaRPr lang="ko-KR" altLang="en-US" dirty="0"/>
           </a:p>
@@ -20146,6 +20149,872 @@
 </p:sld>
 </file>
 
+<file path=ppt/slides/slide10.xml><?xml version="1.0" encoding="utf-8"?>
+<p:sld xmlns:a="http://schemas.openxmlformats.org/drawingml/2006/main" xmlns:r="http://schemas.openxmlformats.org/officeDocument/2006/relationships" xmlns:p="http://schemas.openxmlformats.org/presentationml/2006/main">
+  <p:cSld>
+    <p:spTree>
+      <p:nvGrpSpPr>
+        <p:cNvPr id="1" name=""/>
+        <p:cNvGrpSpPr/>
+        <p:nvPr/>
+      </p:nvGrpSpPr>
+      <p:grpSpPr>
+        <a:xfrm>
+          <a:off x="0" y="0"/>
+          <a:ext cx="0" cy="0"/>
+          <a:chOff x="0" y="0"/>
+          <a:chExt cx="0" cy="0"/>
+        </a:xfrm>
+      </p:grpSpPr>
+      <p:sp>
+        <p:nvSpPr>
+          <p:cNvPr id="2" name="제목 1">
+            <a:extLst>
+              <a:ext uri="{FF2B5EF4-FFF2-40B4-BE49-F238E27FC236}">
+                <a16:creationId xmlns:a16="http://schemas.microsoft.com/office/drawing/2014/main" id="{1900F881-EAD0-9266-19F7-AAC059342DB6}"/>
+              </a:ext>
+            </a:extLst>
+          </p:cNvPr>
+          <p:cNvSpPr>
+            <a:spLocks noGrp="1"/>
+          </p:cNvSpPr>
+          <p:nvPr>
+            <p:ph type="title"/>
+          </p:nvPr>
+        </p:nvSpPr>
+        <p:spPr/>
+        <p:txBody>
+          <a:bodyPr/>
+          <a:lstStyle/>
+          <a:p>
+            <a:pPr algn="ctr"/>
+            <a:r>
+              <a:rPr lang="ko-KR" altLang="en-US" dirty="0"/>
+              <a:t>다중 포인터</a:t>
+            </a:r>
+          </a:p>
+        </p:txBody>
+      </p:sp>
+      <p:sp>
+        <p:nvSpPr>
+          <p:cNvPr id="3" name="내용 개체 틀 2">
+            <a:extLst>
+              <a:ext uri="{FF2B5EF4-FFF2-40B4-BE49-F238E27FC236}">
+                <a16:creationId xmlns:a16="http://schemas.microsoft.com/office/drawing/2014/main" id="{DC39A848-4F83-7A9D-24D7-8057D3E18C8D}"/>
+              </a:ext>
+            </a:extLst>
+          </p:cNvPr>
+          <p:cNvSpPr>
+            <a:spLocks noGrp="1"/>
+          </p:cNvSpPr>
+          <p:nvPr>
+            <p:ph idx="1"/>
+          </p:nvPr>
+        </p:nvSpPr>
+        <p:spPr/>
+        <p:txBody>
+          <a:bodyPr/>
+          <a:lstStyle/>
+          <a:p>
+            <a:r>
+              <a:rPr lang="ko-KR" altLang="en-US" dirty="0"/>
+              <a:t>포인터의 주소를 저장하는 변수             포인터</a:t>
+            </a:r>
+          </a:p>
+        </p:txBody>
+      </p:sp>
+      <p:sp>
+        <p:nvSpPr>
+          <p:cNvPr id="4" name="직사각형 3">
+            <a:extLst>
+              <a:ext uri="{FF2B5EF4-FFF2-40B4-BE49-F238E27FC236}">
+                <a16:creationId xmlns:a16="http://schemas.microsoft.com/office/drawing/2014/main" id="{0A20676B-506D-2D25-382E-51B53DDA0BD8}"/>
+              </a:ext>
+            </a:extLst>
+          </p:cNvPr>
+          <p:cNvSpPr/>
+          <p:nvPr/>
+        </p:nvSpPr>
+        <p:spPr>
+          <a:xfrm>
+            <a:off x="1124953" y="3832058"/>
+            <a:ext cx="1185110" cy="637674"/>
+          </a:xfrm>
+          <a:prstGeom prst="rect">
+            <a:avLst/>
+          </a:prstGeom>
+        </p:spPr>
+        <p:style>
+          <a:lnRef idx="2">
+            <a:schemeClr val="accent1">
+              <a:shade val="15000"/>
+            </a:schemeClr>
+          </a:lnRef>
+          <a:fillRef idx="1">
+            <a:schemeClr val="accent1"/>
+          </a:fillRef>
+          <a:effectRef idx="0">
+            <a:schemeClr val="accent1"/>
+          </a:effectRef>
+          <a:fontRef idx="minor">
+            <a:schemeClr val="lt1"/>
+          </a:fontRef>
+        </p:style>
+        <p:txBody>
+          <a:bodyPr rtlCol="0" anchor="ctr"/>
+          <a:lstStyle/>
+          <a:p>
+            <a:pPr algn="ctr"/>
+            <a:r>
+              <a:rPr lang="en-US" altLang="ko-KR" dirty="0"/>
+              <a:t>0x213c</a:t>
+            </a:r>
+            <a:endParaRPr lang="ko-KR" altLang="en-US" dirty="0"/>
+          </a:p>
+        </p:txBody>
+      </p:sp>
+      <p:sp>
+        <p:nvSpPr>
+          <p:cNvPr id="5" name="직사각형 4">
+            <a:extLst>
+              <a:ext uri="{FF2B5EF4-FFF2-40B4-BE49-F238E27FC236}">
+                <a16:creationId xmlns:a16="http://schemas.microsoft.com/office/drawing/2014/main" id="{140BCD75-86D2-0410-CBB8-2C6F19107BD6}"/>
+              </a:ext>
+            </a:extLst>
+          </p:cNvPr>
+          <p:cNvSpPr/>
+          <p:nvPr/>
+        </p:nvSpPr>
+        <p:spPr>
+          <a:xfrm>
+            <a:off x="4562976" y="3832058"/>
+            <a:ext cx="1185110" cy="637674"/>
+          </a:xfrm>
+          <a:prstGeom prst="rect">
+            <a:avLst/>
+          </a:prstGeom>
+        </p:spPr>
+        <p:style>
+          <a:lnRef idx="2">
+            <a:schemeClr val="accent1">
+              <a:shade val="15000"/>
+            </a:schemeClr>
+          </a:lnRef>
+          <a:fillRef idx="1">
+            <a:schemeClr val="accent1"/>
+          </a:fillRef>
+          <a:effectRef idx="0">
+            <a:schemeClr val="accent1"/>
+          </a:effectRef>
+          <a:fontRef idx="minor">
+            <a:schemeClr val="lt1"/>
+          </a:fontRef>
+        </p:style>
+        <p:txBody>
+          <a:bodyPr rtlCol="0" anchor="ctr"/>
+          <a:lstStyle/>
+          <a:p>
+            <a:pPr algn="ctr"/>
+            <a:r>
+              <a:rPr lang="en-US" altLang="ko-KR" dirty="0"/>
+              <a:t>0x0001a</a:t>
+            </a:r>
+            <a:endParaRPr lang="ko-KR" altLang="en-US" dirty="0"/>
+          </a:p>
+        </p:txBody>
+      </p:sp>
+      <p:sp>
+        <p:nvSpPr>
+          <p:cNvPr id="7" name="직사각형 6">
+            <a:extLst>
+              <a:ext uri="{FF2B5EF4-FFF2-40B4-BE49-F238E27FC236}">
+                <a16:creationId xmlns:a16="http://schemas.microsoft.com/office/drawing/2014/main" id="{648D486C-1E76-A916-3B91-5D06F91CE033}"/>
+              </a:ext>
+            </a:extLst>
+          </p:cNvPr>
+          <p:cNvSpPr/>
+          <p:nvPr/>
+        </p:nvSpPr>
+        <p:spPr>
+          <a:xfrm>
+            <a:off x="8182478" y="3832058"/>
+            <a:ext cx="1185110" cy="637674"/>
+          </a:xfrm>
+          <a:prstGeom prst="rect">
+            <a:avLst/>
+          </a:prstGeom>
+        </p:spPr>
+        <p:style>
+          <a:lnRef idx="2">
+            <a:schemeClr val="accent1">
+              <a:shade val="15000"/>
+            </a:schemeClr>
+          </a:lnRef>
+          <a:fillRef idx="1">
+            <a:schemeClr val="accent1"/>
+          </a:fillRef>
+          <a:effectRef idx="0">
+            <a:schemeClr val="accent1"/>
+          </a:effectRef>
+          <a:fontRef idx="minor">
+            <a:schemeClr val="lt1"/>
+          </a:fontRef>
+        </p:style>
+        <p:txBody>
+          <a:bodyPr rtlCol="0" anchor="ctr"/>
+          <a:lstStyle/>
+          <a:p>
+            <a:pPr algn="ctr"/>
+            <a:r>
+              <a:rPr lang="en-US" altLang="ko-KR" dirty="0"/>
+              <a:t>2</a:t>
+            </a:r>
+            <a:endParaRPr lang="ko-KR" altLang="en-US" dirty="0"/>
+          </a:p>
+        </p:txBody>
+      </p:sp>
+      <p:sp>
+        <p:nvSpPr>
+          <p:cNvPr id="12" name="화살표: 오른쪽 11">
+            <a:extLst>
+              <a:ext uri="{FF2B5EF4-FFF2-40B4-BE49-F238E27FC236}">
+                <a16:creationId xmlns:a16="http://schemas.microsoft.com/office/drawing/2014/main" id="{B15D9A10-68F6-D30D-41C7-89667E4CC1BB}"/>
+              </a:ext>
+            </a:extLst>
+          </p:cNvPr>
+          <p:cNvSpPr/>
+          <p:nvPr/>
+        </p:nvSpPr>
+        <p:spPr>
+          <a:xfrm>
+            <a:off x="2410827" y="4012532"/>
+            <a:ext cx="2051385" cy="276726"/>
+          </a:xfrm>
+          <a:prstGeom prst="rightArrow">
+            <a:avLst/>
+          </a:prstGeom>
+          <a:solidFill>
+            <a:srgbClr val="0070C0"/>
+          </a:solidFill>
+        </p:spPr>
+        <p:style>
+          <a:lnRef idx="2">
+            <a:schemeClr val="accent1">
+              <a:shade val="15000"/>
+            </a:schemeClr>
+          </a:lnRef>
+          <a:fillRef idx="1">
+            <a:schemeClr val="accent1"/>
+          </a:fillRef>
+          <a:effectRef idx="0">
+            <a:schemeClr val="accent1"/>
+          </a:effectRef>
+          <a:fontRef idx="minor">
+            <a:schemeClr val="lt1"/>
+          </a:fontRef>
+        </p:style>
+        <p:txBody>
+          <a:bodyPr rtlCol="0" anchor="ctr"/>
+          <a:lstStyle/>
+          <a:p>
+            <a:pPr algn="ctr"/>
+            <a:endParaRPr lang="ko-KR" altLang="en-US"/>
+          </a:p>
+        </p:txBody>
+      </p:sp>
+      <p:sp>
+        <p:nvSpPr>
+          <p:cNvPr id="14" name="TextBox 13">
+            <a:extLst>
+              <a:ext uri="{FF2B5EF4-FFF2-40B4-BE49-F238E27FC236}">
+                <a16:creationId xmlns:a16="http://schemas.microsoft.com/office/drawing/2014/main" id="{62EF76E6-3BFC-C0BB-E00F-9BEA59829A08}"/>
+              </a:ext>
+            </a:extLst>
+          </p:cNvPr>
+          <p:cNvSpPr txBox="1"/>
+          <p:nvPr/>
+        </p:nvSpPr>
+        <p:spPr>
+          <a:xfrm>
+            <a:off x="4762580" y="4562344"/>
+            <a:ext cx="1263316" cy="584775"/>
+          </a:xfrm>
+          <a:prstGeom prst="rect">
+            <a:avLst/>
+          </a:prstGeom>
+          <a:noFill/>
+        </p:spPr>
+        <p:txBody>
+          <a:bodyPr wrap="square" rtlCol="0">
+            <a:spAutoFit/>
+          </a:bodyPr>
+          <a:lstStyle/>
+          <a:p>
+            <a:r>
+              <a:rPr lang="en-US" altLang="ko-KR" sz="3200" dirty="0"/>
+              <a:t>Int *</a:t>
+            </a:r>
+            <a:endParaRPr lang="ko-KR" altLang="en-US" sz="3200" dirty="0"/>
+          </a:p>
+        </p:txBody>
+      </p:sp>
+      <p:sp>
+        <p:nvSpPr>
+          <p:cNvPr id="17" name="TextBox 16">
+            <a:extLst>
+              <a:ext uri="{FF2B5EF4-FFF2-40B4-BE49-F238E27FC236}">
+                <a16:creationId xmlns:a16="http://schemas.microsoft.com/office/drawing/2014/main" id="{415F01B6-D4E7-55B9-A06E-E400A1B1AFA8}"/>
+              </a:ext>
+            </a:extLst>
+          </p:cNvPr>
+          <p:cNvSpPr txBox="1"/>
+          <p:nvPr/>
+        </p:nvSpPr>
+        <p:spPr>
+          <a:xfrm>
+            <a:off x="8408070" y="4479271"/>
+            <a:ext cx="1263316" cy="584775"/>
+          </a:xfrm>
+          <a:prstGeom prst="rect">
+            <a:avLst/>
+          </a:prstGeom>
+          <a:noFill/>
+        </p:spPr>
+        <p:txBody>
+          <a:bodyPr wrap="square" rtlCol="0">
+            <a:spAutoFit/>
+          </a:bodyPr>
+          <a:lstStyle/>
+          <a:p>
+            <a:r>
+              <a:rPr lang="en-US" altLang="ko-KR" sz="3200" dirty="0"/>
+              <a:t>Int</a:t>
+            </a:r>
+            <a:r>
+              <a:rPr lang="ko-KR" altLang="en-US" sz="3200" dirty="0"/>
+              <a:t> </a:t>
+            </a:r>
+            <a:r>
+              <a:rPr lang="en-US" altLang="ko-KR" sz="3200" dirty="0"/>
+              <a:t>a</a:t>
+            </a:r>
+            <a:endParaRPr lang="ko-KR" altLang="en-US" sz="3200" dirty="0"/>
+          </a:p>
+        </p:txBody>
+      </p:sp>
+      <p:sp>
+        <p:nvSpPr>
+          <p:cNvPr id="19" name="TextBox 18">
+            <a:extLst>
+              <a:ext uri="{FF2B5EF4-FFF2-40B4-BE49-F238E27FC236}">
+                <a16:creationId xmlns:a16="http://schemas.microsoft.com/office/drawing/2014/main" id="{E1298550-0BFF-0D52-C1DD-CF3817CA471B}"/>
+              </a:ext>
+            </a:extLst>
+          </p:cNvPr>
+          <p:cNvSpPr txBox="1"/>
+          <p:nvPr/>
+        </p:nvSpPr>
+        <p:spPr>
+          <a:xfrm>
+            <a:off x="1257298" y="4562344"/>
+            <a:ext cx="1263316" cy="584775"/>
+          </a:xfrm>
+          <a:prstGeom prst="rect">
+            <a:avLst/>
+          </a:prstGeom>
+          <a:noFill/>
+        </p:spPr>
+        <p:txBody>
+          <a:bodyPr wrap="square" rtlCol="0">
+            <a:spAutoFit/>
+          </a:bodyPr>
+          <a:lstStyle/>
+          <a:p>
+            <a:r>
+              <a:rPr lang="en-US" altLang="ko-KR" sz="3200" dirty="0"/>
+              <a:t>Int**</a:t>
+            </a:r>
+            <a:endParaRPr lang="ko-KR" altLang="en-US" sz="3200" dirty="0"/>
+          </a:p>
+        </p:txBody>
+      </p:sp>
+      <p:sp>
+        <p:nvSpPr>
+          <p:cNvPr id="6" name="화살표: 오른쪽 5">
+            <a:extLst>
+              <a:ext uri="{FF2B5EF4-FFF2-40B4-BE49-F238E27FC236}">
+                <a16:creationId xmlns:a16="http://schemas.microsoft.com/office/drawing/2014/main" id="{BF0FC604-F657-CC5B-E9E2-44A882FA3887}"/>
+              </a:ext>
+            </a:extLst>
+          </p:cNvPr>
+          <p:cNvSpPr/>
+          <p:nvPr/>
+        </p:nvSpPr>
+        <p:spPr>
+          <a:xfrm>
+            <a:off x="5949614" y="4012532"/>
+            <a:ext cx="2051385" cy="276726"/>
+          </a:xfrm>
+          <a:prstGeom prst="rightArrow">
+            <a:avLst/>
+          </a:prstGeom>
+          <a:solidFill>
+            <a:srgbClr val="0070C0"/>
+          </a:solidFill>
+        </p:spPr>
+        <p:style>
+          <a:lnRef idx="2">
+            <a:schemeClr val="accent1">
+              <a:shade val="15000"/>
+            </a:schemeClr>
+          </a:lnRef>
+          <a:fillRef idx="1">
+            <a:schemeClr val="accent1"/>
+          </a:fillRef>
+          <a:effectRef idx="0">
+            <a:schemeClr val="accent1"/>
+          </a:effectRef>
+          <a:fontRef idx="minor">
+            <a:schemeClr val="lt1"/>
+          </a:fontRef>
+        </p:style>
+        <p:txBody>
+          <a:bodyPr rtlCol="0" anchor="ctr"/>
+          <a:lstStyle/>
+          <a:p>
+            <a:pPr algn="ctr"/>
+            <a:endParaRPr lang="ko-KR" altLang="en-US"/>
+          </a:p>
+        </p:txBody>
+      </p:sp>
+      <p:sp>
+        <p:nvSpPr>
+          <p:cNvPr id="10" name="TextBox 9">
+            <a:extLst>
+              <a:ext uri="{FF2B5EF4-FFF2-40B4-BE49-F238E27FC236}">
+                <a16:creationId xmlns:a16="http://schemas.microsoft.com/office/drawing/2014/main" id="{6F356A57-9858-01FC-A59C-09875FA6159A}"/>
+              </a:ext>
+            </a:extLst>
+          </p:cNvPr>
+          <p:cNvSpPr txBox="1"/>
+          <p:nvPr/>
+        </p:nvSpPr>
+        <p:spPr>
+          <a:xfrm>
+            <a:off x="8242637" y="3213584"/>
+            <a:ext cx="1263316" cy="584775"/>
+          </a:xfrm>
+          <a:prstGeom prst="rect">
+            <a:avLst/>
+          </a:prstGeom>
+          <a:noFill/>
+        </p:spPr>
+        <p:txBody>
+          <a:bodyPr wrap="square" rtlCol="0">
+            <a:spAutoFit/>
+          </a:bodyPr>
+          <a:lstStyle/>
+          <a:p>
+            <a:r>
+              <a:rPr lang="en-US" altLang="ko-KR" sz="3200" dirty="0"/>
+              <a:t>0x0001a</a:t>
+            </a:r>
+            <a:endParaRPr lang="ko-KR" altLang="en-US" sz="3200" dirty="0"/>
+          </a:p>
+        </p:txBody>
+      </p:sp>
+      <p:sp>
+        <p:nvSpPr>
+          <p:cNvPr id="18" name="TextBox 17">
+            <a:extLst>
+              <a:ext uri="{FF2B5EF4-FFF2-40B4-BE49-F238E27FC236}">
+                <a16:creationId xmlns:a16="http://schemas.microsoft.com/office/drawing/2014/main" id="{EA702CE6-6099-C96E-E010-C0EA149E4CEC}"/>
+              </a:ext>
+            </a:extLst>
+          </p:cNvPr>
+          <p:cNvSpPr txBox="1"/>
+          <p:nvPr/>
+        </p:nvSpPr>
+        <p:spPr>
+          <a:xfrm>
+            <a:off x="4561013" y="3213583"/>
+            <a:ext cx="1940091" cy="584775"/>
+          </a:xfrm>
+          <a:prstGeom prst="rect">
+            <a:avLst/>
+          </a:prstGeom>
+          <a:noFill/>
+        </p:spPr>
+        <p:txBody>
+          <a:bodyPr wrap="square" rtlCol="0">
+            <a:spAutoFit/>
+          </a:bodyPr>
+          <a:lstStyle/>
+          <a:p>
+            <a:r>
+              <a:rPr lang="en-US" altLang="ko-KR" sz="3200" dirty="0"/>
+              <a:t>0x0213c</a:t>
+            </a:r>
+            <a:endParaRPr lang="ko-KR" altLang="en-US" sz="3200" dirty="0"/>
+          </a:p>
+        </p:txBody>
+      </p:sp>
+      <p:sp>
+        <p:nvSpPr>
+          <p:cNvPr id="20" name="TextBox 19">
+            <a:extLst>
+              <a:ext uri="{FF2B5EF4-FFF2-40B4-BE49-F238E27FC236}">
+                <a16:creationId xmlns:a16="http://schemas.microsoft.com/office/drawing/2014/main" id="{89EE34B9-C60D-5CA0-73F7-2290444373E2}"/>
+              </a:ext>
+            </a:extLst>
+          </p:cNvPr>
+          <p:cNvSpPr txBox="1"/>
+          <p:nvPr/>
+        </p:nvSpPr>
+        <p:spPr>
+          <a:xfrm>
+            <a:off x="768096" y="3200976"/>
+            <a:ext cx="2051385" cy="584775"/>
+          </a:xfrm>
+          <a:prstGeom prst="rect">
+            <a:avLst/>
+          </a:prstGeom>
+          <a:noFill/>
+        </p:spPr>
+        <p:txBody>
+          <a:bodyPr wrap="square" rtlCol="0">
+            <a:spAutoFit/>
+          </a:bodyPr>
+          <a:lstStyle/>
+          <a:p>
+            <a:r>
+              <a:rPr lang="en-US" altLang="ko-KR" sz="3200" dirty="0"/>
+              <a:t>Int</a:t>
+            </a:r>
+            <a:r>
+              <a:rPr lang="ko-KR" altLang="en-US" sz="3200" dirty="0"/>
+              <a:t> </a:t>
+            </a:r>
+            <a:r>
+              <a:rPr lang="en-US" altLang="ko-KR" sz="3200" dirty="0"/>
+              <a:t>**</a:t>
+            </a:r>
+            <a:r>
+              <a:rPr lang="ko-KR" altLang="en-US" sz="3200" dirty="0"/>
+              <a:t>의 주소</a:t>
+            </a:r>
+          </a:p>
+        </p:txBody>
+      </p:sp>
+      <p:sp>
+        <p:nvSpPr>
+          <p:cNvPr id="21" name="화살표: 오른쪽 20">
+            <a:extLst>
+              <a:ext uri="{FF2B5EF4-FFF2-40B4-BE49-F238E27FC236}">
+                <a16:creationId xmlns:a16="http://schemas.microsoft.com/office/drawing/2014/main" id="{EE1ED30C-CD08-A6FC-AE86-94D09233E196}"/>
+              </a:ext>
+            </a:extLst>
+          </p:cNvPr>
+          <p:cNvSpPr/>
+          <p:nvPr/>
+        </p:nvSpPr>
+        <p:spPr>
+          <a:xfrm>
+            <a:off x="6412832" y="2177716"/>
+            <a:ext cx="1106905" cy="366963"/>
+          </a:xfrm>
+          <a:prstGeom prst="rightArrow">
+            <a:avLst/>
+          </a:prstGeom>
+        </p:spPr>
+        <p:style>
+          <a:lnRef idx="2">
+            <a:schemeClr val="accent1">
+              <a:shade val="15000"/>
+            </a:schemeClr>
+          </a:lnRef>
+          <a:fillRef idx="1">
+            <a:schemeClr val="accent1"/>
+          </a:fillRef>
+          <a:effectRef idx="0">
+            <a:schemeClr val="accent1"/>
+          </a:effectRef>
+          <a:fontRef idx="minor">
+            <a:schemeClr val="lt1"/>
+          </a:fontRef>
+        </p:style>
+        <p:txBody>
+          <a:bodyPr rtlCol="0" anchor="ctr"/>
+          <a:lstStyle/>
+          <a:p>
+            <a:pPr algn="ctr"/>
+            <a:endParaRPr lang="ko-KR" altLang="en-US"/>
+          </a:p>
+        </p:txBody>
+      </p:sp>
+    </p:spTree>
+    <p:extLst>
+      <p:ext uri="{BB962C8B-B14F-4D97-AF65-F5344CB8AC3E}">
+        <p14:creationId xmlns:p14="http://schemas.microsoft.com/office/powerpoint/2010/main" val="2280472798"/>
+      </p:ext>
+    </p:extLst>
+  </p:cSld>
+  <p:clrMapOvr>
+    <a:masterClrMapping/>
+  </p:clrMapOvr>
+</p:sld>
+</file>
+
+<file path=ppt/slides/slide11.xml><?xml version="1.0" encoding="utf-8"?>
+<p:sld xmlns:a="http://schemas.openxmlformats.org/drawingml/2006/main" xmlns:r="http://schemas.openxmlformats.org/officeDocument/2006/relationships" xmlns:p="http://schemas.openxmlformats.org/presentationml/2006/main">
+  <p:cSld>
+    <p:spTree>
+      <p:nvGrpSpPr>
+        <p:cNvPr id="1" name=""/>
+        <p:cNvGrpSpPr/>
+        <p:nvPr/>
+      </p:nvGrpSpPr>
+      <p:grpSpPr>
+        <a:xfrm>
+          <a:off x="0" y="0"/>
+          <a:ext cx="0" cy="0"/>
+          <a:chOff x="0" y="0"/>
+          <a:chExt cx="0" cy="0"/>
+        </a:xfrm>
+      </p:grpSpPr>
+      <p:sp>
+        <p:nvSpPr>
+          <p:cNvPr id="2" name="제목 1">
+            <a:extLst>
+              <a:ext uri="{FF2B5EF4-FFF2-40B4-BE49-F238E27FC236}">
+                <a16:creationId xmlns:a16="http://schemas.microsoft.com/office/drawing/2014/main" id="{1900F881-EAD0-9266-19F7-AAC059342DB6}"/>
+              </a:ext>
+            </a:extLst>
+          </p:cNvPr>
+          <p:cNvSpPr>
+            <a:spLocks noGrp="1"/>
+          </p:cNvSpPr>
+          <p:nvPr>
+            <p:ph type="title"/>
+          </p:nvPr>
+        </p:nvSpPr>
+        <p:spPr/>
+        <p:txBody>
+          <a:bodyPr/>
+          <a:lstStyle/>
+          <a:p>
+            <a:pPr algn="ctr"/>
+            <a:r>
+              <a:rPr lang="ko-KR" altLang="en-US" dirty="0"/>
+              <a:t>함수와 포인터</a:t>
+            </a:r>
+          </a:p>
+        </p:txBody>
+      </p:sp>
+      <p:graphicFrame>
+        <p:nvGraphicFramePr>
+          <p:cNvPr id="9" name="표 10">
+            <a:extLst>
+              <a:ext uri="{FF2B5EF4-FFF2-40B4-BE49-F238E27FC236}">
+                <a16:creationId xmlns:a16="http://schemas.microsoft.com/office/drawing/2014/main" id="{A28409BD-8778-C751-8D94-613E1902F5DB}"/>
+              </a:ext>
+            </a:extLst>
+          </p:cNvPr>
+          <p:cNvGraphicFramePr>
+            <a:graphicFrameLocks noGrp="1"/>
+          </p:cNvGraphicFramePr>
+          <p:nvPr>
+            <p:ph idx="1"/>
+            <p:extLst>
+              <p:ext uri="{D42A27DB-BD31-4B8C-83A1-F6EECF244321}">
+                <p14:modId xmlns:p14="http://schemas.microsoft.com/office/powerpoint/2010/main" val="431512994"/>
+              </p:ext>
+            </p:extLst>
+          </p:nvPr>
+        </p:nvGraphicFramePr>
+        <p:xfrm>
+          <a:off x="768096" y="2182813"/>
+          <a:ext cx="10515600" cy="3398922"/>
+        </p:xfrm>
+        <a:graphic>
+          <a:graphicData uri="http://schemas.openxmlformats.org/drawingml/2006/table">
+            <a:tbl>
+              <a:tblPr firstRow="1" bandRow="1">
+                <a:tableStyleId>{5C22544A-7EE6-4342-B048-85BDC9FD1C3A}</a:tableStyleId>
+              </a:tblPr>
+              <a:tblGrid>
+                <a:gridCol w="2103120">
+                  <a:extLst>
+                    <a:ext uri="{9D8B030D-6E8A-4147-A177-3AD203B41FA5}">
+                      <a16:colId xmlns:a16="http://schemas.microsoft.com/office/drawing/2014/main" val="1620528219"/>
+                    </a:ext>
+                  </a:extLst>
+                </a:gridCol>
+                <a:gridCol w="8412480">
+                  <a:extLst>
+                    <a:ext uri="{9D8B030D-6E8A-4147-A177-3AD203B41FA5}">
+                      <a16:colId xmlns:a16="http://schemas.microsoft.com/office/drawing/2014/main" val="2003585322"/>
+                    </a:ext>
+                  </a:extLst>
+                </a:gridCol>
+              </a:tblGrid>
+              <a:tr h="1132974">
+                <a:tc>
+                  <a:txBody>
+                    <a:bodyPr/>
+                    <a:lstStyle/>
+                    <a:p>
+                      <a:pPr algn="ctr" latinLnBrk="1"/>
+                      <a:r>
+                        <a:rPr lang="ko-KR" altLang="en-US" sz="2400" dirty="0"/>
+                        <a:t>구분</a:t>
+                      </a:r>
+                    </a:p>
+                  </a:txBody>
+                  <a:tcPr anchor="ctr"/>
+                </a:tc>
+                <a:tc>
+                  <a:txBody>
+                    <a:bodyPr/>
+                    <a:lstStyle/>
+                    <a:p>
+                      <a:pPr algn="ctr" latinLnBrk="1"/>
+                      <a:r>
+                        <a:rPr lang="ko-KR" altLang="en-US" sz="2800" dirty="0"/>
+                        <a:t>특징</a:t>
+                      </a:r>
+                    </a:p>
+                  </a:txBody>
+                  <a:tcPr anchor="ctr"/>
+                </a:tc>
+                <a:extLst>
+                  <a:ext uri="{0D108BD9-81ED-4DB2-BD59-A6C34878D82A}">
+                    <a16:rowId xmlns:a16="http://schemas.microsoft.com/office/drawing/2014/main" val="553339391"/>
+                  </a:ext>
+                </a:extLst>
+              </a:tr>
+              <a:tr h="1132974">
+                <a:tc>
+                  <a:txBody>
+                    <a:bodyPr/>
+                    <a:lstStyle/>
+                    <a:p>
+                      <a:pPr algn="ctr" latinLnBrk="1"/>
+                      <a:r>
+                        <a:rPr lang="ko-KR" altLang="en-US" dirty="0"/>
+                        <a:t>값에 의한 호출</a:t>
+                      </a:r>
+                    </a:p>
+                  </a:txBody>
+                  <a:tcPr anchor="ctr"/>
+                </a:tc>
+                <a:tc>
+                  <a:txBody>
+                    <a:bodyPr/>
+                    <a:lstStyle/>
+                    <a:p>
+                      <a:pPr algn="l" latinLnBrk="1"/>
+                      <a:r>
+                        <a:rPr lang="ko-KR" altLang="en-US" dirty="0"/>
+                        <a:t>인자를 매개 변수로 복사해서 전달한다</a:t>
+                      </a:r>
+                      <a:r>
+                        <a:rPr lang="en-US" altLang="ko-KR" dirty="0"/>
+                        <a:t>.</a:t>
+                      </a:r>
+                    </a:p>
+                    <a:p>
+                      <a:pPr algn="l" latinLnBrk="1"/>
+                      <a:r>
+                        <a:rPr lang="ko-KR" altLang="en-US" dirty="0"/>
+                        <a:t>함수 안에서 매개변수를 변경해도 변경되지 않는다</a:t>
+                      </a:r>
+                      <a:r>
+                        <a:rPr lang="en-US" altLang="ko-KR" dirty="0"/>
+                        <a:t>.</a:t>
+                      </a:r>
+                      <a:endParaRPr lang="ko-KR" altLang="en-US" dirty="0"/>
+                    </a:p>
+                  </a:txBody>
+                  <a:tcPr anchor="ctr"/>
+                </a:tc>
+                <a:extLst>
+                  <a:ext uri="{0D108BD9-81ED-4DB2-BD59-A6C34878D82A}">
+                    <a16:rowId xmlns:a16="http://schemas.microsoft.com/office/drawing/2014/main" val="3000132738"/>
+                  </a:ext>
+                </a:extLst>
+              </a:tr>
+              <a:tr h="1132974">
+                <a:tc>
+                  <a:txBody>
+                    <a:bodyPr/>
+                    <a:lstStyle/>
+                    <a:p>
+                      <a:pPr algn="ctr" latinLnBrk="1"/>
+                      <a:r>
+                        <a:rPr lang="ko-KR" altLang="en-US" dirty="0"/>
+                        <a:t>참조에 의한 호출</a:t>
+                      </a:r>
+                    </a:p>
+                  </a:txBody>
+                  <a:tcPr anchor="ctr"/>
+                </a:tc>
+                <a:tc>
+                  <a:txBody>
+                    <a:bodyPr/>
+                    <a:lstStyle/>
+                    <a:p>
+                      <a:pPr algn="l" latinLnBrk="1"/>
+                      <a:r>
+                        <a:rPr lang="ko-KR" altLang="en-US" dirty="0"/>
+                        <a:t>인자의 주소를 포인터형 매개변수로 전달한다</a:t>
+                      </a:r>
+                      <a:r>
+                        <a:rPr lang="en-US" altLang="ko-KR" dirty="0"/>
+                        <a:t>.</a:t>
+                      </a:r>
+                    </a:p>
+                    <a:p>
+                      <a:pPr algn="l" latinLnBrk="1"/>
+                      <a:r>
+                        <a:rPr lang="ko-KR" altLang="en-US" dirty="0"/>
+                        <a:t>함수안에서 매개변수가 가리키는 인자를 변경할 수 있다</a:t>
+                      </a:r>
+                      <a:r>
+                        <a:rPr lang="en-US" altLang="ko-KR" dirty="0"/>
+                        <a:t>.</a:t>
+                      </a:r>
+                    </a:p>
+                    <a:p>
+                      <a:pPr algn="l" latinLnBrk="1"/>
+                      <a:endParaRPr lang="ko-KR" altLang="en-US" dirty="0"/>
+                    </a:p>
+                  </a:txBody>
+                  <a:tcPr anchor="ctr"/>
+                </a:tc>
+                <a:extLst>
+                  <a:ext uri="{0D108BD9-81ED-4DB2-BD59-A6C34878D82A}">
+                    <a16:rowId xmlns:a16="http://schemas.microsoft.com/office/drawing/2014/main" val="193835844"/>
+                  </a:ext>
+                </a:extLst>
+              </a:tr>
+            </a:tbl>
+          </a:graphicData>
+        </a:graphic>
+      </p:graphicFrame>
+    </p:spTree>
+    <p:extLst>
+      <p:ext uri="{BB962C8B-B14F-4D97-AF65-F5344CB8AC3E}">
+        <p14:creationId xmlns:p14="http://schemas.microsoft.com/office/powerpoint/2010/main" val="2904267289"/>
+      </p:ext>
+    </p:extLst>
+  </p:cSld>
+  <p:clrMapOvr>
+    <a:masterClrMapping/>
+  </p:clrMapOvr>
+</p:sld>
+</file>
+
 <file path=ppt/slides/slide2.xml><?xml version="1.0" encoding="utf-8"?>
 <p:sld xmlns:a="http://schemas.openxmlformats.org/drawingml/2006/main" xmlns:r="http://schemas.openxmlformats.org/officeDocument/2006/relationships" xmlns:p="http://schemas.openxmlformats.org/presentationml/2006/main">
   <p:cSld>
@@ -20220,7 +21089,7 @@
         </p:spPr>
         <p:txBody>
           <a:bodyPr rtlCol="0">
-            <a:normAutofit/>
+            <a:normAutofit fontScale="85000" lnSpcReduction="20000"/>
           </a:bodyPr>
           <a:lstStyle/>
           <a:p>
@@ -20276,6 +21145,28 @@
             <a:r>
               <a:rPr lang="ko-KR" altLang="en-US" sz="4000" dirty="0"/>
               <a:t>배열과 포인터</a:t>
+            </a:r>
+            <a:endParaRPr lang="en-US" altLang="ko-KR" sz="4000" dirty="0"/>
+          </a:p>
+          <a:p>
+            <a:pPr lvl="0" rtl="0"/>
+            <a:r>
+              <a:rPr lang="ko-KR" altLang="en-US" sz="4000" dirty="0">
+                <a:latin typeface="맑은 고딕" panose="020B0503020000020004" pitchFamily="50" charset="-127"/>
+                <a:ea typeface="맑은 고딕" panose="020B0503020000020004" pitchFamily="50" charset="-127"/>
+              </a:rPr>
+              <a:t>다중 포인터</a:t>
+            </a:r>
+            <a:endParaRPr lang="en-US" altLang="ko-KR" sz="4000" dirty="0">
+              <a:latin typeface="맑은 고딕" panose="020B0503020000020004" pitchFamily="50" charset="-127"/>
+              <a:ea typeface="맑은 고딕" panose="020B0503020000020004" pitchFamily="50" charset="-127"/>
+            </a:endParaRPr>
+          </a:p>
+          <a:p>
+            <a:pPr lvl="0" rtl="0"/>
+            <a:r>
+              <a:rPr lang="ko-KR" altLang="en-US" sz="4000"/>
+              <a:t>함수와 포인터</a:t>
             </a:r>
             <a:endParaRPr lang="en-US" altLang="ko-KR" sz="4000" dirty="0">
               <a:latin typeface="맑은 고딕" panose="020B0503020000020004" pitchFamily="50" charset="-127"/>
@@ -21401,8 +22292,606 @@
           <a:p>
             <a:r>
               <a:rPr lang="ko-KR" altLang="en-US" dirty="0"/>
-              <a:t>배열을 포인터처럼 포인터를 배열처럼 사용이 가능하다 </a:t>
-            </a:r>
+              <a:t>배열을 포인터처럼 포인터를 배열처럼 사용이 가능하다</a:t>
+            </a:r>
+            <a:endParaRPr lang="en-US" altLang="ko-KR" dirty="0"/>
+          </a:p>
+          <a:p>
+            <a:pPr marL="0" indent="0">
+              <a:buNone/>
+            </a:pPr>
+            <a:r>
+              <a:rPr lang="ko-KR" altLang="en-US" dirty="0"/>
+              <a:t> </a:t>
+            </a:r>
+          </a:p>
+        </p:txBody>
+      </p:sp>
+      <p:sp>
+        <p:nvSpPr>
+          <p:cNvPr id="4" name="직사각형 3">
+            <a:extLst>
+              <a:ext uri="{FF2B5EF4-FFF2-40B4-BE49-F238E27FC236}">
+                <a16:creationId xmlns:a16="http://schemas.microsoft.com/office/drawing/2014/main" id="{0A20676B-506D-2D25-382E-51B53DDA0BD8}"/>
+              </a:ext>
+            </a:extLst>
+          </p:cNvPr>
+          <p:cNvSpPr/>
+          <p:nvPr/>
+        </p:nvSpPr>
+        <p:spPr>
+          <a:xfrm>
+            <a:off x="1124953" y="3832058"/>
+            <a:ext cx="1185110" cy="637674"/>
+          </a:xfrm>
+          <a:prstGeom prst="rect">
+            <a:avLst/>
+          </a:prstGeom>
+        </p:spPr>
+        <p:style>
+          <a:lnRef idx="2">
+            <a:schemeClr val="accent1">
+              <a:shade val="15000"/>
+            </a:schemeClr>
+          </a:lnRef>
+          <a:fillRef idx="1">
+            <a:schemeClr val="accent1"/>
+          </a:fillRef>
+          <a:effectRef idx="0">
+            <a:schemeClr val="accent1"/>
+          </a:effectRef>
+          <a:fontRef idx="minor">
+            <a:schemeClr val="lt1"/>
+          </a:fontRef>
+        </p:style>
+        <p:txBody>
+          <a:bodyPr rtlCol="0" anchor="ctr"/>
+          <a:lstStyle/>
+          <a:p>
+            <a:pPr algn="ctr"/>
+            <a:r>
+              <a:rPr lang="en-US" altLang="ko-KR" dirty="0"/>
+              <a:t>Int </a:t>
+            </a:r>
+            <a:r>
+              <a:rPr lang="ko-KR" altLang="en-US" dirty="0"/>
+              <a:t>주소</a:t>
+            </a:r>
+          </a:p>
+        </p:txBody>
+      </p:sp>
+      <p:sp>
+        <p:nvSpPr>
+          <p:cNvPr id="5" name="직사각형 4">
+            <a:extLst>
+              <a:ext uri="{FF2B5EF4-FFF2-40B4-BE49-F238E27FC236}">
+                <a16:creationId xmlns:a16="http://schemas.microsoft.com/office/drawing/2014/main" id="{140BCD75-86D2-0410-CBB8-2C6F19107BD6}"/>
+              </a:ext>
+            </a:extLst>
+          </p:cNvPr>
+          <p:cNvSpPr/>
+          <p:nvPr/>
+        </p:nvSpPr>
+        <p:spPr>
+          <a:xfrm>
+            <a:off x="3133225" y="3832058"/>
+            <a:ext cx="1185110" cy="637674"/>
+          </a:xfrm>
+          <a:prstGeom prst="rect">
+            <a:avLst/>
+          </a:prstGeom>
+        </p:spPr>
+        <p:style>
+          <a:lnRef idx="2">
+            <a:schemeClr val="accent1">
+              <a:shade val="15000"/>
+            </a:schemeClr>
+          </a:lnRef>
+          <a:fillRef idx="1">
+            <a:schemeClr val="accent1"/>
+          </a:fillRef>
+          <a:effectRef idx="0">
+            <a:schemeClr val="accent1"/>
+          </a:effectRef>
+          <a:fontRef idx="minor">
+            <a:schemeClr val="lt1"/>
+          </a:fontRef>
+        </p:style>
+        <p:txBody>
+          <a:bodyPr rtlCol="0" anchor="ctr"/>
+          <a:lstStyle/>
+          <a:p>
+            <a:pPr algn="ctr"/>
+            <a:r>
+              <a:rPr lang="en-US" altLang="ko-KR" dirty="0"/>
+              <a:t>1</a:t>
+            </a:r>
+            <a:endParaRPr lang="ko-KR" altLang="en-US" dirty="0"/>
+          </a:p>
+        </p:txBody>
+      </p:sp>
+      <p:sp>
+        <p:nvSpPr>
+          <p:cNvPr id="7" name="직사각형 6">
+            <a:extLst>
+              <a:ext uri="{FF2B5EF4-FFF2-40B4-BE49-F238E27FC236}">
+                <a16:creationId xmlns:a16="http://schemas.microsoft.com/office/drawing/2014/main" id="{648D486C-1E76-A916-3B91-5D06F91CE033}"/>
+              </a:ext>
+            </a:extLst>
+          </p:cNvPr>
+          <p:cNvSpPr/>
+          <p:nvPr/>
+        </p:nvSpPr>
+        <p:spPr>
+          <a:xfrm>
+            <a:off x="4325353" y="3832058"/>
+            <a:ext cx="1185110" cy="637674"/>
+          </a:xfrm>
+          <a:prstGeom prst="rect">
+            <a:avLst/>
+          </a:prstGeom>
+        </p:spPr>
+        <p:style>
+          <a:lnRef idx="2">
+            <a:schemeClr val="accent1">
+              <a:shade val="15000"/>
+            </a:schemeClr>
+          </a:lnRef>
+          <a:fillRef idx="1">
+            <a:schemeClr val="accent1"/>
+          </a:fillRef>
+          <a:effectRef idx="0">
+            <a:schemeClr val="accent1"/>
+          </a:effectRef>
+          <a:fontRef idx="minor">
+            <a:schemeClr val="lt1"/>
+          </a:fontRef>
+        </p:style>
+        <p:txBody>
+          <a:bodyPr rtlCol="0" anchor="ctr"/>
+          <a:lstStyle/>
+          <a:p>
+            <a:pPr algn="ctr"/>
+            <a:r>
+              <a:rPr lang="en-US" altLang="ko-KR" dirty="0"/>
+              <a:t>2</a:t>
+            </a:r>
+            <a:endParaRPr lang="ko-KR" altLang="en-US" dirty="0"/>
+          </a:p>
+        </p:txBody>
+      </p:sp>
+      <p:sp>
+        <p:nvSpPr>
+          <p:cNvPr id="8" name="직사각형 7">
+            <a:extLst>
+              <a:ext uri="{FF2B5EF4-FFF2-40B4-BE49-F238E27FC236}">
+                <a16:creationId xmlns:a16="http://schemas.microsoft.com/office/drawing/2014/main" id="{9971B6EA-BE12-A89A-4C52-80CABC424346}"/>
+              </a:ext>
+            </a:extLst>
+          </p:cNvPr>
+          <p:cNvSpPr/>
+          <p:nvPr/>
+        </p:nvSpPr>
+        <p:spPr>
+          <a:xfrm>
+            <a:off x="5517480" y="3832058"/>
+            <a:ext cx="1185110" cy="637674"/>
+          </a:xfrm>
+          <a:prstGeom prst="rect">
+            <a:avLst/>
+          </a:prstGeom>
+        </p:spPr>
+        <p:style>
+          <a:lnRef idx="2">
+            <a:schemeClr val="accent1">
+              <a:shade val="15000"/>
+            </a:schemeClr>
+          </a:lnRef>
+          <a:fillRef idx="1">
+            <a:schemeClr val="accent1"/>
+          </a:fillRef>
+          <a:effectRef idx="0">
+            <a:schemeClr val="accent1"/>
+          </a:effectRef>
+          <a:fontRef idx="minor">
+            <a:schemeClr val="lt1"/>
+          </a:fontRef>
+        </p:style>
+        <p:txBody>
+          <a:bodyPr rtlCol="0" anchor="ctr"/>
+          <a:lstStyle/>
+          <a:p>
+            <a:pPr algn="ctr"/>
+            <a:r>
+              <a:rPr lang="en-US" altLang="ko-KR" dirty="0"/>
+              <a:t>3</a:t>
+            </a:r>
+            <a:endParaRPr lang="ko-KR" altLang="en-US" dirty="0"/>
+          </a:p>
+        </p:txBody>
+      </p:sp>
+      <p:sp>
+        <p:nvSpPr>
+          <p:cNvPr id="9" name="직사각형 8">
+            <a:extLst>
+              <a:ext uri="{FF2B5EF4-FFF2-40B4-BE49-F238E27FC236}">
+                <a16:creationId xmlns:a16="http://schemas.microsoft.com/office/drawing/2014/main" id="{FBA8F902-1FD1-28E2-8E39-135263611707}"/>
+              </a:ext>
+            </a:extLst>
+          </p:cNvPr>
+          <p:cNvSpPr/>
+          <p:nvPr/>
+        </p:nvSpPr>
+        <p:spPr>
+          <a:xfrm>
+            <a:off x="6681538" y="3832058"/>
+            <a:ext cx="1185110" cy="637674"/>
+          </a:xfrm>
+          <a:prstGeom prst="rect">
+            <a:avLst/>
+          </a:prstGeom>
+        </p:spPr>
+        <p:style>
+          <a:lnRef idx="2">
+            <a:schemeClr val="accent1">
+              <a:shade val="15000"/>
+            </a:schemeClr>
+          </a:lnRef>
+          <a:fillRef idx="1">
+            <a:schemeClr val="accent1"/>
+          </a:fillRef>
+          <a:effectRef idx="0">
+            <a:schemeClr val="accent1"/>
+          </a:effectRef>
+          <a:fontRef idx="minor">
+            <a:schemeClr val="lt1"/>
+          </a:fontRef>
+        </p:style>
+        <p:txBody>
+          <a:bodyPr rtlCol="0" anchor="ctr"/>
+          <a:lstStyle/>
+          <a:p>
+            <a:pPr algn="ctr"/>
+            <a:r>
+              <a:rPr lang="en-US" altLang="ko-KR" dirty="0"/>
+              <a:t>4</a:t>
+            </a:r>
+            <a:endParaRPr lang="ko-KR" altLang="en-US" dirty="0"/>
+          </a:p>
+        </p:txBody>
+      </p:sp>
+      <p:sp>
+        <p:nvSpPr>
+          <p:cNvPr id="11" name="직사각형 10">
+            <a:extLst>
+              <a:ext uri="{FF2B5EF4-FFF2-40B4-BE49-F238E27FC236}">
+                <a16:creationId xmlns:a16="http://schemas.microsoft.com/office/drawing/2014/main" id="{BB65DA67-3FD6-0C7A-2C3D-D4D18912A459}"/>
+              </a:ext>
+            </a:extLst>
+          </p:cNvPr>
+          <p:cNvSpPr/>
+          <p:nvPr/>
+        </p:nvSpPr>
+        <p:spPr>
+          <a:xfrm>
+            <a:off x="7866648" y="3832058"/>
+            <a:ext cx="1185110" cy="637674"/>
+          </a:xfrm>
+          <a:prstGeom prst="rect">
+            <a:avLst/>
+          </a:prstGeom>
+        </p:spPr>
+        <p:style>
+          <a:lnRef idx="2">
+            <a:schemeClr val="accent1">
+              <a:shade val="15000"/>
+            </a:schemeClr>
+          </a:lnRef>
+          <a:fillRef idx="1">
+            <a:schemeClr val="accent1"/>
+          </a:fillRef>
+          <a:effectRef idx="0">
+            <a:schemeClr val="accent1"/>
+          </a:effectRef>
+          <a:fontRef idx="minor">
+            <a:schemeClr val="lt1"/>
+          </a:fontRef>
+        </p:style>
+        <p:txBody>
+          <a:bodyPr rtlCol="0" anchor="ctr"/>
+          <a:lstStyle/>
+          <a:p>
+            <a:pPr algn="ctr"/>
+            <a:r>
+              <a:rPr lang="en-US" altLang="ko-KR" dirty="0"/>
+              <a:t>5</a:t>
+            </a:r>
+            <a:endParaRPr lang="ko-KR" altLang="en-US" dirty="0"/>
+          </a:p>
+        </p:txBody>
+      </p:sp>
+      <p:sp>
+        <p:nvSpPr>
+          <p:cNvPr id="12" name="화살표: 오른쪽 11">
+            <a:extLst>
+              <a:ext uri="{FF2B5EF4-FFF2-40B4-BE49-F238E27FC236}">
+                <a16:creationId xmlns:a16="http://schemas.microsoft.com/office/drawing/2014/main" id="{B15D9A10-68F6-D30D-41C7-89667E4CC1BB}"/>
+              </a:ext>
+            </a:extLst>
+          </p:cNvPr>
+          <p:cNvSpPr/>
+          <p:nvPr/>
+        </p:nvSpPr>
+        <p:spPr>
+          <a:xfrm>
+            <a:off x="2358189" y="4024563"/>
+            <a:ext cx="768018" cy="276726"/>
+          </a:xfrm>
+          <a:prstGeom prst="rightArrow">
+            <a:avLst/>
+          </a:prstGeom>
+          <a:solidFill>
+            <a:srgbClr val="0070C0"/>
+          </a:solidFill>
+        </p:spPr>
+        <p:style>
+          <a:lnRef idx="2">
+            <a:schemeClr val="accent1">
+              <a:shade val="15000"/>
+            </a:schemeClr>
+          </a:lnRef>
+          <a:fillRef idx="1">
+            <a:schemeClr val="accent1"/>
+          </a:fillRef>
+          <a:effectRef idx="0">
+            <a:schemeClr val="accent1"/>
+          </a:effectRef>
+          <a:fontRef idx="minor">
+            <a:schemeClr val="lt1"/>
+          </a:fontRef>
+        </p:style>
+        <p:txBody>
+          <a:bodyPr rtlCol="0" anchor="ctr"/>
+          <a:lstStyle/>
+          <a:p>
+            <a:pPr algn="ctr"/>
+            <a:endParaRPr lang="ko-KR" altLang="en-US"/>
+          </a:p>
+        </p:txBody>
+      </p:sp>
+      <p:sp>
+        <p:nvSpPr>
+          <p:cNvPr id="13" name="TextBox 12">
+            <a:extLst>
+              <a:ext uri="{FF2B5EF4-FFF2-40B4-BE49-F238E27FC236}">
+                <a16:creationId xmlns:a16="http://schemas.microsoft.com/office/drawing/2014/main" id="{F9E8BAEC-D02F-2B40-4F79-20A06DB1FC81}"/>
+              </a:ext>
+            </a:extLst>
+          </p:cNvPr>
+          <p:cNvSpPr txBox="1"/>
+          <p:nvPr/>
+        </p:nvSpPr>
+        <p:spPr>
+          <a:xfrm>
+            <a:off x="3282618" y="3247283"/>
+            <a:ext cx="1263316" cy="584775"/>
+          </a:xfrm>
+          <a:prstGeom prst="rect">
+            <a:avLst/>
+          </a:prstGeom>
+          <a:noFill/>
+        </p:spPr>
+        <p:txBody>
+          <a:bodyPr wrap="square" rtlCol="0">
+            <a:spAutoFit/>
+          </a:bodyPr>
+          <a:lstStyle/>
+          <a:p>
+            <a:r>
+              <a:rPr lang="en-US" altLang="ko-KR" sz="3200" dirty="0" err="1"/>
+              <a:t>Arr</a:t>
+            </a:r>
+            <a:r>
+              <a:rPr lang="en-US" altLang="ko-KR" sz="3200" dirty="0"/>
+              <a:t>[0]</a:t>
+            </a:r>
+            <a:endParaRPr lang="ko-KR" altLang="en-US" sz="3200" dirty="0"/>
+          </a:p>
+        </p:txBody>
+      </p:sp>
+      <p:sp>
+        <p:nvSpPr>
+          <p:cNvPr id="14" name="TextBox 13">
+            <a:extLst>
+              <a:ext uri="{FF2B5EF4-FFF2-40B4-BE49-F238E27FC236}">
+                <a16:creationId xmlns:a16="http://schemas.microsoft.com/office/drawing/2014/main" id="{62EF76E6-3BFC-C0BB-E00F-9BEA59829A08}"/>
+              </a:ext>
+            </a:extLst>
+          </p:cNvPr>
+          <p:cNvSpPr txBox="1"/>
+          <p:nvPr/>
+        </p:nvSpPr>
+        <p:spPr>
+          <a:xfrm>
+            <a:off x="4379496" y="3247282"/>
+            <a:ext cx="1263316" cy="584775"/>
+          </a:xfrm>
+          <a:prstGeom prst="rect">
+            <a:avLst/>
+          </a:prstGeom>
+          <a:noFill/>
+        </p:spPr>
+        <p:txBody>
+          <a:bodyPr wrap="square" rtlCol="0">
+            <a:spAutoFit/>
+          </a:bodyPr>
+          <a:lstStyle/>
+          <a:p>
+            <a:r>
+              <a:rPr lang="en-US" altLang="ko-KR" sz="3200" dirty="0" err="1"/>
+              <a:t>Arr</a:t>
+            </a:r>
+            <a:r>
+              <a:rPr lang="en-US" altLang="ko-KR" sz="3200" dirty="0"/>
+              <a:t>[1]</a:t>
+            </a:r>
+            <a:endParaRPr lang="ko-KR" altLang="en-US" sz="3200" dirty="0"/>
+          </a:p>
+        </p:txBody>
+      </p:sp>
+      <p:sp>
+        <p:nvSpPr>
+          <p:cNvPr id="15" name="TextBox 14">
+            <a:extLst>
+              <a:ext uri="{FF2B5EF4-FFF2-40B4-BE49-F238E27FC236}">
+                <a16:creationId xmlns:a16="http://schemas.microsoft.com/office/drawing/2014/main" id="{5DCA1D89-C471-F074-FC87-7AE878EA56D6}"/>
+              </a:ext>
+            </a:extLst>
+          </p:cNvPr>
+          <p:cNvSpPr txBox="1"/>
+          <p:nvPr/>
+        </p:nvSpPr>
+        <p:spPr>
+          <a:xfrm>
+            <a:off x="5530517" y="3247282"/>
+            <a:ext cx="1263316" cy="584775"/>
+          </a:xfrm>
+          <a:prstGeom prst="rect">
+            <a:avLst/>
+          </a:prstGeom>
+          <a:noFill/>
+        </p:spPr>
+        <p:txBody>
+          <a:bodyPr wrap="square" rtlCol="0">
+            <a:spAutoFit/>
+          </a:bodyPr>
+          <a:lstStyle/>
+          <a:p>
+            <a:r>
+              <a:rPr lang="en-US" altLang="ko-KR" sz="3200" dirty="0" err="1"/>
+              <a:t>Arr</a:t>
+            </a:r>
+            <a:r>
+              <a:rPr lang="en-US" altLang="ko-KR" sz="3200" dirty="0"/>
+              <a:t>[2]</a:t>
+            </a:r>
+            <a:endParaRPr lang="ko-KR" altLang="en-US" sz="3200" dirty="0"/>
+          </a:p>
+        </p:txBody>
+      </p:sp>
+      <p:sp>
+        <p:nvSpPr>
+          <p:cNvPr id="16" name="TextBox 15">
+            <a:extLst>
+              <a:ext uri="{FF2B5EF4-FFF2-40B4-BE49-F238E27FC236}">
+                <a16:creationId xmlns:a16="http://schemas.microsoft.com/office/drawing/2014/main" id="{596ED3E5-FE6D-F0BF-F201-15249B317CB7}"/>
+              </a:ext>
+            </a:extLst>
+          </p:cNvPr>
+          <p:cNvSpPr txBox="1"/>
+          <p:nvPr/>
+        </p:nvSpPr>
+        <p:spPr>
+          <a:xfrm>
+            <a:off x="6681538" y="3247281"/>
+            <a:ext cx="1263316" cy="584775"/>
+          </a:xfrm>
+          <a:prstGeom prst="rect">
+            <a:avLst/>
+          </a:prstGeom>
+          <a:noFill/>
+        </p:spPr>
+        <p:txBody>
+          <a:bodyPr wrap="square" rtlCol="0">
+            <a:spAutoFit/>
+          </a:bodyPr>
+          <a:lstStyle/>
+          <a:p>
+            <a:r>
+              <a:rPr lang="en-US" altLang="ko-KR" sz="3200" dirty="0" err="1"/>
+              <a:t>Arr</a:t>
+            </a:r>
+            <a:r>
+              <a:rPr lang="en-US" altLang="ko-KR" sz="3200" dirty="0"/>
+              <a:t>[3]</a:t>
+            </a:r>
+            <a:endParaRPr lang="ko-KR" altLang="en-US" sz="3200" dirty="0"/>
+          </a:p>
+        </p:txBody>
+      </p:sp>
+      <p:sp>
+        <p:nvSpPr>
+          <p:cNvPr id="17" name="TextBox 16">
+            <a:extLst>
+              <a:ext uri="{FF2B5EF4-FFF2-40B4-BE49-F238E27FC236}">
+                <a16:creationId xmlns:a16="http://schemas.microsoft.com/office/drawing/2014/main" id="{415F01B6-D4E7-55B9-A06E-E400A1B1AFA8}"/>
+              </a:ext>
+            </a:extLst>
+          </p:cNvPr>
+          <p:cNvSpPr txBox="1"/>
+          <p:nvPr/>
+        </p:nvSpPr>
+        <p:spPr>
+          <a:xfrm>
+            <a:off x="7944854" y="3247280"/>
+            <a:ext cx="1263316" cy="584775"/>
+          </a:xfrm>
+          <a:prstGeom prst="rect">
+            <a:avLst/>
+          </a:prstGeom>
+          <a:noFill/>
+        </p:spPr>
+        <p:txBody>
+          <a:bodyPr wrap="square" rtlCol="0">
+            <a:spAutoFit/>
+          </a:bodyPr>
+          <a:lstStyle/>
+          <a:p>
+            <a:r>
+              <a:rPr lang="en-US" altLang="ko-KR" sz="3200" dirty="0" err="1"/>
+              <a:t>Arr</a:t>
+            </a:r>
+            <a:r>
+              <a:rPr lang="en-US" altLang="ko-KR" sz="3200" dirty="0"/>
+              <a:t>[4]</a:t>
+            </a:r>
+            <a:endParaRPr lang="ko-KR" altLang="en-US" sz="3200" dirty="0"/>
+          </a:p>
+        </p:txBody>
+      </p:sp>
+      <p:sp>
+        <p:nvSpPr>
+          <p:cNvPr id="19" name="TextBox 18">
+            <a:extLst>
+              <a:ext uri="{FF2B5EF4-FFF2-40B4-BE49-F238E27FC236}">
+                <a16:creationId xmlns:a16="http://schemas.microsoft.com/office/drawing/2014/main" id="{E1298550-0BFF-0D52-C1DD-CF3817CA471B}"/>
+              </a:ext>
+            </a:extLst>
+          </p:cNvPr>
+          <p:cNvSpPr txBox="1"/>
+          <p:nvPr/>
+        </p:nvSpPr>
+        <p:spPr>
+          <a:xfrm>
+            <a:off x="1313075" y="3247280"/>
+            <a:ext cx="1263316" cy="584775"/>
+          </a:xfrm>
+          <a:prstGeom prst="rect">
+            <a:avLst/>
+          </a:prstGeom>
+          <a:noFill/>
+        </p:spPr>
+        <p:txBody>
+          <a:bodyPr wrap="square" rtlCol="0">
+            <a:spAutoFit/>
+          </a:bodyPr>
+          <a:lstStyle/>
+          <a:p>
+            <a:r>
+              <a:rPr lang="en-US" altLang="ko-KR" sz="3200" dirty="0"/>
+              <a:t>Int*</a:t>
+            </a:r>
+            <a:endParaRPr lang="ko-KR" altLang="en-US" sz="3200" dirty="0"/>
           </a:p>
         </p:txBody>
       </p:sp>
@@ -21410,6 +22899,135 @@
     <p:extLst>
       <p:ext uri="{BB962C8B-B14F-4D97-AF65-F5344CB8AC3E}">
         <p14:creationId xmlns:p14="http://schemas.microsoft.com/office/powerpoint/2010/main" val="1375217323"/>
+      </p:ext>
+    </p:extLst>
+  </p:cSld>
+  <p:clrMapOvr>
+    <a:masterClrMapping/>
+  </p:clrMapOvr>
+</p:sld>
+</file>
+
+<file path=ppt/slides/slide9.xml><?xml version="1.0" encoding="utf-8"?>
+<p:sld xmlns:a="http://schemas.openxmlformats.org/drawingml/2006/main" xmlns:r="http://schemas.openxmlformats.org/officeDocument/2006/relationships" xmlns:p="http://schemas.openxmlformats.org/presentationml/2006/main">
+  <p:cSld>
+    <p:spTree>
+      <p:nvGrpSpPr>
+        <p:cNvPr id="1" name=""/>
+        <p:cNvGrpSpPr/>
+        <p:nvPr/>
+      </p:nvGrpSpPr>
+      <p:grpSpPr>
+        <a:xfrm>
+          <a:off x="0" y="0"/>
+          <a:ext cx="0" cy="0"/>
+          <a:chOff x="0" y="0"/>
+          <a:chExt cx="0" cy="0"/>
+        </a:xfrm>
+      </p:grpSpPr>
+      <p:sp>
+        <p:nvSpPr>
+          <p:cNvPr id="2" name="제목 1">
+            <a:extLst>
+              <a:ext uri="{FF2B5EF4-FFF2-40B4-BE49-F238E27FC236}">
+                <a16:creationId xmlns:a16="http://schemas.microsoft.com/office/drawing/2014/main" id="{1900F881-EAD0-9266-19F7-AAC059342DB6}"/>
+              </a:ext>
+            </a:extLst>
+          </p:cNvPr>
+          <p:cNvSpPr>
+            <a:spLocks noGrp="1"/>
+          </p:cNvSpPr>
+          <p:nvPr>
+            <p:ph type="title"/>
+          </p:nvPr>
+        </p:nvSpPr>
+        <p:spPr/>
+        <p:txBody>
+          <a:bodyPr/>
+          <a:lstStyle/>
+          <a:p>
+            <a:pPr algn="ctr"/>
+            <a:r>
+              <a:rPr lang="ko-KR" altLang="en-US" dirty="0"/>
+              <a:t>배열과 포인터의 차이점</a:t>
+            </a:r>
+          </a:p>
+        </p:txBody>
+      </p:sp>
+      <p:sp>
+        <p:nvSpPr>
+          <p:cNvPr id="3" name="내용 개체 틀 2">
+            <a:extLst>
+              <a:ext uri="{FF2B5EF4-FFF2-40B4-BE49-F238E27FC236}">
+                <a16:creationId xmlns:a16="http://schemas.microsoft.com/office/drawing/2014/main" id="{DC39A848-4F83-7A9D-24D7-8057D3E18C8D}"/>
+              </a:ext>
+            </a:extLst>
+          </p:cNvPr>
+          <p:cNvSpPr>
+            <a:spLocks noGrp="1"/>
+          </p:cNvSpPr>
+          <p:nvPr>
+            <p:ph idx="1"/>
+          </p:nvPr>
+        </p:nvSpPr>
+        <p:spPr/>
+        <p:txBody>
+          <a:bodyPr/>
+          <a:lstStyle/>
+          <a:p>
+            <a:pPr marL="0" indent="0">
+              <a:buNone/>
+            </a:pPr>
+            <a:r>
+              <a:rPr lang="ko-KR" altLang="en-US" dirty="0"/>
+              <a:t>배열은 시작 주소를 변경 할 수 없다</a:t>
+            </a:r>
+            <a:r>
+              <a:rPr lang="en-US" altLang="ko-KR" dirty="0"/>
+              <a:t>.</a:t>
+            </a:r>
+            <a:r>
+              <a:rPr lang="ko-KR" altLang="en-US" dirty="0"/>
+              <a:t> </a:t>
+            </a:r>
+            <a:r>
+              <a:rPr lang="en-US" altLang="ko-KR" dirty="0"/>
+              <a:t>(</a:t>
+            </a:r>
+            <a:r>
+              <a:rPr lang="ko-KR" altLang="en-US" dirty="0"/>
+              <a:t>증감 연산 불가능</a:t>
+            </a:r>
+            <a:r>
+              <a:rPr lang="en-US" altLang="ko-KR" dirty="0"/>
+              <a:t>)</a:t>
+            </a:r>
+          </a:p>
+          <a:p>
+            <a:pPr marL="0" indent="0">
+              <a:buNone/>
+            </a:pPr>
+            <a:r>
+              <a:rPr lang="ko-KR" altLang="en-US" dirty="0"/>
+              <a:t>배열과 포인터는 크기가 다르다</a:t>
+            </a:r>
+            <a:r>
+              <a:rPr lang="en-US" altLang="ko-KR" dirty="0"/>
+              <a:t>. </a:t>
+            </a:r>
+          </a:p>
+          <a:p>
+            <a:pPr marL="0" indent="0">
+              <a:buNone/>
+            </a:pPr>
+            <a:endParaRPr lang="ko-KR" altLang="en-US" dirty="0"/>
+          </a:p>
+        </p:txBody>
+      </p:sp>
+    </p:spTree>
+    <p:extLst>
+      <p:ext uri="{BB962C8B-B14F-4D97-AF65-F5344CB8AC3E}">
+        <p14:creationId xmlns:p14="http://schemas.microsoft.com/office/powerpoint/2010/main" val="1262505806"/>
       </p:ext>
     </p:extLst>
   </p:cSld>
